--- a/PPT/MachineLearning16-SVM.pptx
+++ b/PPT/MachineLearning16-SVM.pptx
@@ -5,17 +5,18 @@
     <p:sldMasterId id="2147483653" r:id="rId1"/>
   </p:sldMasterIdLst>
   <p:notesMasterIdLst>
-    <p:notesMasterId r:id="rId7"/>
+    <p:notesMasterId r:id="rId8"/>
   </p:notesMasterIdLst>
   <p:handoutMasterIdLst>
-    <p:handoutMasterId r:id="rId8"/>
+    <p:handoutMasterId r:id="rId9"/>
   </p:handoutMasterIdLst>
   <p:sldIdLst>
     <p:sldId id="264" r:id="rId2"/>
     <p:sldId id="269" r:id="rId3"/>
     <p:sldId id="272" r:id="rId4"/>
     <p:sldId id="273" r:id="rId5"/>
-    <p:sldId id="274" r:id="rId6"/>
+    <p:sldId id="275" r:id="rId6"/>
+    <p:sldId id="274" r:id="rId7"/>
   </p:sldIdLst>
   <p:sldSz cx="9144000" cy="6858000" type="screen4x3"/>
   <p:notesSz cx="6648450" cy="9782175"/>
@@ -3693,11 +3694,7 @@
             <a:pPr eaLnBrk="1" hangingPunct="1"/>
             <a:r>
               <a:rPr lang="fr-FR" altLang="fr-FR" smtClean="0"/>
-              <a:t>Chapitre </a:t>
-            </a:r>
-            <a:r>
-              <a:rPr lang="fr-FR" altLang="fr-FR" smtClean="0"/>
-              <a:t>16</a:t>
+              <a:t>Chapitre 16</a:t>
             </a:r>
             <a:endParaRPr lang="fr-FR" altLang="fr-FR" dirty="0" smtClean="0"/>
           </a:p>
@@ -4346,6 +4343,102 @@
 </file>
 
 <file path=ppt/slides/slide5.xml><?xml version="1.0" encoding="utf-8"?>
+<p:sld xmlns:a="http://schemas.openxmlformats.org/drawingml/2006/main" xmlns:r="http://schemas.openxmlformats.org/officeDocument/2006/relationships" xmlns:p="http://schemas.openxmlformats.org/presentationml/2006/main">
+  <p:cSld>
+    <p:spTree>
+      <p:nvGrpSpPr>
+        <p:cNvPr id="1" name=""/>
+        <p:cNvGrpSpPr/>
+        <p:nvPr/>
+      </p:nvGrpSpPr>
+      <p:grpSpPr>
+        <a:xfrm>
+          <a:off x="0" y="0"/>
+          <a:ext cx="0" cy="0"/>
+          <a:chOff x="0" y="0"/>
+          <a:chExt cx="0" cy="0"/>
+        </a:xfrm>
+      </p:grpSpPr>
+      <p:sp>
+        <p:nvSpPr>
+          <p:cNvPr id="2" name="Titre 1"/>
+          <p:cNvSpPr>
+            <a:spLocks noGrp="1"/>
+          </p:cNvSpPr>
+          <p:nvPr>
+            <p:ph type="title"/>
+          </p:nvPr>
+        </p:nvSpPr>
+        <p:spPr/>
+        <p:txBody>
+          <a:bodyPr/>
+          <a:lstStyle/>
+          <a:p>
+            <a:r>
+              <a:rPr lang="fr-FR" dirty="0" err="1" smtClean="0"/>
+              <a:t>Kernel</a:t>
+            </a:r>
+            <a:endParaRPr lang="fr-FR" dirty="0"/>
+          </a:p>
+        </p:txBody>
+      </p:sp>
+      <p:sp>
+        <p:nvSpPr>
+          <p:cNvPr id="3" name="Espace réservé du contenu 2"/>
+          <p:cNvSpPr>
+            <a:spLocks noGrp="1"/>
+          </p:cNvSpPr>
+          <p:nvPr>
+            <p:ph idx="1"/>
+          </p:nvPr>
+        </p:nvSpPr>
+        <p:spPr/>
+        <p:txBody>
+          <a:bodyPr/>
+          <a:lstStyle/>
+          <a:p>
+            <a:r>
+              <a:rPr lang="fr-FR" dirty="0" err="1" smtClean="0"/>
+              <a:t>Linear</a:t>
+            </a:r>
+            <a:endParaRPr lang="fr-FR" dirty="0" smtClean="0"/>
+          </a:p>
+          <a:p>
+            <a:r>
+              <a:rPr lang="fr-FR" dirty="0" smtClean="0"/>
+              <a:t>Polynomial</a:t>
+            </a:r>
+          </a:p>
+          <a:p>
+            <a:r>
+              <a:rPr lang="fr-FR" dirty="0" err="1" smtClean="0"/>
+              <a:t>Rbf</a:t>
+            </a:r>
+            <a:endParaRPr lang="fr-FR" dirty="0" smtClean="0"/>
+          </a:p>
+        </p:txBody>
+      </p:sp>
+    </p:spTree>
+    <p:extLst>
+      <p:ext uri="{BB962C8B-B14F-4D97-AF65-F5344CB8AC3E}">
+        <p14:creationId xmlns:p14="http://schemas.microsoft.com/office/powerpoint/2010/main" val="2518764896"/>
+      </p:ext>
+    </p:extLst>
+  </p:cSld>
+  <p:clrMapOvr>
+    <a:masterClrMapping/>
+  </p:clrMapOvr>
+  <p:timing>
+    <p:tnLst>
+      <p:par>
+        <p:cTn id="1" dur="indefinite" restart="never" nodeType="tmRoot"/>
+      </p:par>
+    </p:tnLst>
+  </p:timing>
+</p:sld>
+</file>
+
+<file path=ppt/slides/slide6.xml><?xml version="1.0" encoding="utf-8"?>
 <p:sld xmlns:a="http://schemas.openxmlformats.org/drawingml/2006/main" xmlns:r="http://schemas.openxmlformats.org/officeDocument/2006/relationships" xmlns:p="http://schemas.openxmlformats.org/presentationml/2006/main">
   <p:cSld>
     <p:spTree>

--- a/PPT/MachineLearning16-SVM.pptx
+++ b/PPT/MachineLearning16-SVM.pptx
@@ -609,35 +609,35 @@
           <a:p>
             <a:pPr lvl="0"/>
             <a:r>
-              <a:rPr lang="fr-FR" noProof="0" smtClean="0"/>
+              <a:rPr lang="fr-FR" noProof="0"/>
               <a:t>Cliquez pour modifier les styles du texte du masque</a:t>
             </a:r>
           </a:p>
           <a:p>
             <a:pPr lvl="1"/>
             <a:r>
-              <a:rPr lang="fr-FR" noProof="0" smtClean="0"/>
+              <a:rPr lang="fr-FR" noProof="0"/>
               <a:t>Deuxième niveau</a:t>
             </a:r>
           </a:p>
           <a:p>
             <a:pPr lvl="2"/>
             <a:r>
-              <a:rPr lang="fr-FR" noProof="0" smtClean="0"/>
+              <a:rPr lang="fr-FR" noProof="0"/>
               <a:t>Troisième niveau</a:t>
             </a:r>
           </a:p>
           <a:p>
             <a:pPr lvl="3"/>
             <a:r>
-              <a:rPr lang="fr-FR" noProof="0" smtClean="0"/>
+              <a:rPr lang="fr-FR" noProof="0"/>
               <a:t>Quatrième niveau</a:t>
             </a:r>
           </a:p>
           <a:p>
             <a:pPr lvl="4"/>
             <a:r>
-              <a:rPr lang="fr-FR" noProof="0" smtClean="0"/>
+              <a:rPr lang="fr-FR" noProof="0"/>
               <a:t>Cinquième niveau</a:t>
             </a:r>
           </a:p>
@@ -925,10 +925,9 @@
           <a:lstStyle/>
           <a:p>
             <a:r>
-              <a:rPr lang="fr-FR" smtClean="0"/>
+              <a:rPr lang="fr-FR"/>
               <a:t>Cliquez pour modifier le style du titre</a:t>
             </a:r>
-            <a:endParaRPr lang="fr-FR"/>
           </a:p>
         </p:txBody>
       </p:sp>
@@ -990,10 +989,9 @@
           </a:lstStyle>
           <a:p>
             <a:r>
-              <a:rPr lang="fr-FR" smtClean="0"/>
+              <a:rPr lang="fr-FR"/>
               <a:t>Cliquez pour modifier le style des sous-titres du masque</a:t>
             </a:r>
-            <a:endParaRPr lang="fr-FR"/>
           </a:p>
         </p:txBody>
       </p:sp>
@@ -1048,10 +1046,9 @@
           <a:lstStyle/>
           <a:p>
             <a:r>
-              <a:rPr lang="fr-FR" smtClean="0"/>
+              <a:rPr lang="fr-FR"/>
               <a:t>Cliquez pour modifier le style du titre</a:t>
             </a:r>
-            <a:endParaRPr lang="fr-FR"/>
           </a:p>
         </p:txBody>
       </p:sp>
@@ -1077,38 +1074,37 @@
           <a:p>
             <a:pPr lvl="0"/>
             <a:r>
-              <a:rPr lang="fr-FR" smtClean="0"/>
+              <a:rPr lang="fr-FR"/>
               <a:t>Cliquez pour modifier les styles du texte du masque</a:t>
             </a:r>
           </a:p>
           <a:p>
             <a:pPr lvl="1"/>
             <a:r>
-              <a:rPr lang="fr-FR" smtClean="0"/>
+              <a:rPr lang="fr-FR"/>
               <a:t>Deuxième niveau</a:t>
             </a:r>
           </a:p>
           <a:p>
             <a:pPr lvl="2"/>
             <a:r>
-              <a:rPr lang="fr-FR" smtClean="0"/>
+              <a:rPr lang="fr-FR"/>
               <a:t>Troisième niveau</a:t>
             </a:r>
           </a:p>
           <a:p>
             <a:pPr lvl="3"/>
             <a:r>
-              <a:rPr lang="fr-FR" smtClean="0"/>
+              <a:rPr lang="fr-FR"/>
               <a:t>Quatrième niveau</a:t>
             </a:r>
           </a:p>
           <a:p>
             <a:pPr lvl="4"/>
             <a:r>
-              <a:rPr lang="fr-FR" smtClean="0"/>
+              <a:rPr lang="fr-FR"/>
               <a:t>Cinquième niveau</a:t>
             </a:r>
-            <a:endParaRPr lang="fr-FR"/>
           </a:p>
         </p:txBody>
       </p:sp>
@@ -1167,10 +1163,9 @@
           </a:lstStyle>
           <a:p>
             <a:r>
-              <a:rPr lang="fr-FR" dirty="0" smtClean="0"/>
+              <a:rPr lang="fr-FR" dirty="0"/>
               <a:t>Cliquez pour modifier le style du titre</a:t>
             </a:r>
-            <a:endParaRPr lang="fr-FR" dirty="0"/>
           </a:p>
         </p:txBody>
       </p:sp>
@@ -1196,38 +1191,37 @@
           <a:p>
             <a:pPr lvl="0"/>
             <a:r>
-              <a:rPr lang="fr-FR" dirty="0" smtClean="0"/>
+              <a:rPr lang="fr-FR" dirty="0"/>
               <a:t>Cliquez pour modifier les styles du texte du masque</a:t>
             </a:r>
           </a:p>
           <a:p>
             <a:pPr lvl="1"/>
             <a:r>
-              <a:rPr lang="fr-FR" dirty="0" smtClean="0"/>
+              <a:rPr lang="fr-FR" dirty="0"/>
               <a:t>Deuxième niveau</a:t>
             </a:r>
           </a:p>
           <a:p>
             <a:pPr lvl="2"/>
             <a:r>
-              <a:rPr lang="fr-FR" dirty="0" smtClean="0"/>
+              <a:rPr lang="fr-FR" dirty="0"/>
               <a:t>Troisième niveau</a:t>
             </a:r>
           </a:p>
           <a:p>
             <a:pPr lvl="3"/>
             <a:r>
-              <a:rPr lang="fr-FR" dirty="0" smtClean="0"/>
+              <a:rPr lang="fr-FR" dirty="0"/>
               <a:t>Quatrième niveau</a:t>
             </a:r>
           </a:p>
           <a:p>
             <a:pPr lvl="4"/>
             <a:r>
-              <a:rPr lang="fr-FR" dirty="0" smtClean="0"/>
+              <a:rPr lang="fr-FR" dirty="0"/>
               <a:t>Cinquième niveau</a:t>
             </a:r>
-            <a:endParaRPr lang="fr-FR" dirty="0"/>
           </a:p>
         </p:txBody>
       </p:sp>
@@ -1277,10 +1271,9 @@
           <a:lstStyle/>
           <a:p>
             <a:r>
-              <a:rPr lang="fr-FR" smtClean="0"/>
+              <a:rPr lang="fr-FR"/>
               <a:t>Cliquez pour modifier le style du titre</a:t>
             </a:r>
-            <a:endParaRPr lang="fr-FR"/>
           </a:p>
         </p:txBody>
       </p:sp>
@@ -1334,38 +1327,37 @@
           <a:p>
             <a:pPr lvl="0"/>
             <a:r>
-              <a:rPr lang="fr-FR" smtClean="0"/>
+              <a:rPr lang="fr-FR"/>
               <a:t>Cliquez pour modifier les styles du texte du masque</a:t>
             </a:r>
           </a:p>
           <a:p>
             <a:pPr lvl="1"/>
             <a:r>
-              <a:rPr lang="fr-FR" smtClean="0"/>
+              <a:rPr lang="fr-FR"/>
               <a:t>Deuxième niveau</a:t>
             </a:r>
           </a:p>
           <a:p>
             <a:pPr lvl="2"/>
             <a:r>
-              <a:rPr lang="fr-FR" smtClean="0"/>
+              <a:rPr lang="fr-FR"/>
               <a:t>Troisième niveau</a:t>
             </a:r>
           </a:p>
           <a:p>
             <a:pPr lvl="3"/>
             <a:r>
-              <a:rPr lang="fr-FR" smtClean="0"/>
+              <a:rPr lang="fr-FR"/>
               <a:t>Quatrième niveau</a:t>
             </a:r>
           </a:p>
           <a:p>
             <a:pPr lvl="4"/>
             <a:r>
-              <a:rPr lang="fr-FR" smtClean="0"/>
+              <a:rPr lang="fr-FR"/>
               <a:t>Cinquième niveau</a:t>
             </a:r>
-            <a:endParaRPr lang="fr-FR"/>
           </a:p>
         </p:txBody>
       </p:sp>
@@ -1419,38 +1411,37 @@
           <a:p>
             <a:pPr lvl="0"/>
             <a:r>
-              <a:rPr lang="fr-FR" smtClean="0"/>
+              <a:rPr lang="fr-FR"/>
               <a:t>Cliquez pour modifier les styles du texte du masque</a:t>
             </a:r>
           </a:p>
           <a:p>
             <a:pPr lvl="1"/>
             <a:r>
-              <a:rPr lang="fr-FR" smtClean="0"/>
+              <a:rPr lang="fr-FR"/>
               <a:t>Deuxième niveau</a:t>
             </a:r>
           </a:p>
           <a:p>
             <a:pPr lvl="2"/>
             <a:r>
-              <a:rPr lang="fr-FR" smtClean="0"/>
+              <a:rPr lang="fr-FR"/>
               <a:t>Troisième niveau</a:t>
             </a:r>
           </a:p>
           <a:p>
             <a:pPr lvl="3"/>
             <a:r>
-              <a:rPr lang="fr-FR" smtClean="0"/>
+              <a:rPr lang="fr-FR"/>
               <a:t>Quatrième niveau</a:t>
             </a:r>
           </a:p>
           <a:p>
             <a:pPr lvl="4"/>
             <a:r>
-              <a:rPr lang="fr-FR" smtClean="0"/>
+              <a:rPr lang="fr-FR"/>
               <a:t>Cinquième niveau</a:t>
             </a:r>
-            <a:endParaRPr lang="fr-FR"/>
           </a:p>
         </p:txBody>
       </p:sp>
@@ -1509,10 +1500,9 @@
           </a:lstStyle>
           <a:p>
             <a:r>
-              <a:rPr lang="fr-FR" smtClean="0"/>
+              <a:rPr lang="fr-FR"/>
               <a:t>Cliquez pour modifier le style du titre</a:t>
             </a:r>
-            <a:endParaRPr lang="fr-FR"/>
           </a:p>
         </p:txBody>
       </p:sp>
@@ -1575,7 +1565,7 @@
           <a:p>
             <a:pPr lvl="0"/>
             <a:r>
-              <a:rPr lang="fr-FR" smtClean="0"/>
+              <a:rPr lang="fr-FR"/>
               <a:t>Cliquez pour modifier les styles du texte du masque</a:t>
             </a:r>
           </a:p>
@@ -1631,38 +1621,37 @@
           <a:p>
             <a:pPr lvl="0"/>
             <a:r>
-              <a:rPr lang="fr-FR" smtClean="0"/>
+              <a:rPr lang="fr-FR"/>
               <a:t>Cliquez pour modifier les styles du texte du masque</a:t>
             </a:r>
           </a:p>
           <a:p>
             <a:pPr lvl="1"/>
             <a:r>
-              <a:rPr lang="fr-FR" smtClean="0"/>
+              <a:rPr lang="fr-FR"/>
               <a:t>Deuxième niveau</a:t>
             </a:r>
           </a:p>
           <a:p>
             <a:pPr lvl="2"/>
             <a:r>
-              <a:rPr lang="fr-FR" smtClean="0"/>
+              <a:rPr lang="fr-FR"/>
               <a:t>Troisième niveau</a:t>
             </a:r>
           </a:p>
           <a:p>
             <a:pPr lvl="3"/>
             <a:r>
-              <a:rPr lang="fr-FR" smtClean="0"/>
+              <a:rPr lang="fr-FR"/>
               <a:t>Quatrième niveau</a:t>
             </a:r>
           </a:p>
           <a:p>
             <a:pPr lvl="4"/>
             <a:r>
-              <a:rPr lang="fr-FR" smtClean="0"/>
+              <a:rPr lang="fr-FR"/>
               <a:t>Cinquième niveau</a:t>
             </a:r>
-            <a:endParaRPr lang="fr-FR"/>
           </a:p>
         </p:txBody>
       </p:sp>
@@ -1725,7 +1714,7 @@
           <a:p>
             <a:pPr lvl="0"/>
             <a:r>
-              <a:rPr lang="fr-FR" smtClean="0"/>
+              <a:rPr lang="fr-FR"/>
               <a:t>Cliquez pour modifier les styles du texte du masque</a:t>
             </a:r>
           </a:p>
@@ -1781,38 +1770,37 @@
           <a:p>
             <a:pPr lvl="0"/>
             <a:r>
-              <a:rPr lang="fr-FR" smtClean="0"/>
+              <a:rPr lang="fr-FR"/>
               <a:t>Cliquez pour modifier les styles du texte du masque</a:t>
             </a:r>
           </a:p>
           <a:p>
             <a:pPr lvl="1"/>
             <a:r>
-              <a:rPr lang="fr-FR" smtClean="0"/>
+              <a:rPr lang="fr-FR"/>
               <a:t>Deuxième niveau</a:t>
             </a:r>
           </a:p>
           <a:p>
             <a:pPr lvl="2"/>
             <a:r>
-              <a:rPr lang="fr-FR" smtClean="0"/>
+              <a:rPr lang="fr-FR"/>
               <a:t>Troisième niveau</a:t>
             </a:r>
           </a:p>
           <a:p>
             <a:pPr lvl="3"/>
             <a:r>
-              <a:rPr lang="fr-FR" smtClean="0"/>
+              <a:rPr lang="fr-FR"/>
               <a:t>Quatrième niveau</a:t>
             </a:r>
           </a:p>
           <a:p>
             <a:pPr lvl="4"/>
             <a:r>
-              <a:rPr lang="fr-FR" smtClean="0"/>
+              <a:rPr lang="fr-FR"/>
               <a:t>Cinquième niveau</a:t>
             </a:r>
-            <a:endParaRPr lang="fr-FR"/>
           </a:p>
         </p:txBody>
       </p:sp>
@@ -1862,10 +1850,9 @@
           <a:lstStyle/>
           <a:p>
             <a:r>
-              <a:rPr lang="fr-FR" smtClean="0"/>
+              <a:rPr lang="fr-FR"/>
               <a:t>Cliquez pour modifier le style du titre</a:t>
             </a:r>
-            <a:endParaRPr lang="fr-FR"/>
           </a:p>
         </p:txBody>
       </p:sp>
@@ -1954,10 +1941,9 @@
           </a:lstStyle>
           <a:p>
             <a:r>
-              <a:rPr lang="fr-FR" smtClean="0"/>
+              <a:rPr lang="fr-FR"/>
               <a:t>Cliquez pour modifier le style du titre</a:t>
             </a:r>
-            <a:endParaRPr lang="fr-FR"/>
           </a:p>
         </p:txBody>
       </p:sp>
@@ -2011,38 +1997,37 @@
           <a:p>
             <a:pPr lvl="0"/>
             <a:r>
-              <a:rPr lang="fr-FR" smtClean="0"/>
+              <a:rPr lang="fr-FR"/>
               <a:t>Cliquez pour modifier les styles du texte du masque</a:t>
             </a:r>
           </a:p>
           <a:p>
             <a:pPr lvl="1"/>
             <a:r>
-              <a:rPr lang="fr-FR" smtClean="0"/>
+              <a:rPr lang="fr-FR"/>
               <a:t>Deuxième niveau</a:t>
             </a:r>
           </a:p>
           <a:p>
             <a:pPr lvl="2"/>
             <a:r>
-              <a:rPr lang="fr-FR" smtClean="0"/>
+              <a:rPr lang="fr-FR"/>
               <a:t>Troisième niveau</a:t>
             </a:r>
           </a:p>
           <a:p>
             <a:pPr lvl="3"/>
             <a:r>
-              <a:rPr lang="fr-FR" smtClean="0"/>
+              <a:rPr lang="fr-FR"/>
               <a:t>Quatrième niveau</a:t>
             </a:r>
           </a:p>
           <a:p>
             <a:pPr lvl="4"/>
             <a:r>
-              <a:rPr lang="fr-FR" smtClean="0"/>
+              <a:rPr lang="fr-FR"/>
               <a:t>Cinquième niveau</a:t>
             </a:r>
-            <a:endParaRPr lang="fr-FR"/>
           </a:p>
         </p:txBody>
       </p:sp>
@@ -2105,7 +2090,7 @@
           <a:p>
             <a:pPr lvl="0"/>
             <a:r>
-              <a:rPr lang="fr-FR" smtClean="0"/>
+              <a:rPr lang="fr-FR"/>
               <a:t>Cliquez pour modifier les styles du texte du masque</a:t>
             </a:r>
           </a:p>
@@ -2166,10 +2151,9 @@
           </a:lstStyle>
           <a:p>
             <a:r>
-              <a:rPr lang="fr-FR" smtClean="0"/>
+              <a:rPr lang="fr-FR"/>
               <a:t>Cliquez pour modifier le style du titre</a:t>
             </a:r>
-            <a:endParaRPr lang="fr-FR"/>
           </a:p>
         </p:txBody>
       </p:sp>
@@ -2231,7 +2215,7 @@
           </a:lstStyle>
           <a:p>
             <a:pPr lvl="0"/>
-            <a:endParaRPr lang="fr-FR" noProof="0" smtClean="0"/>
+            <a:endParaRPr lang="fr-FR" noProof="0"/>
           </a:p>
         </p:txBody>
       </p:sp>
@@ -2294,7 +2278,7 @@
           <a:p>
             <a:pPr lvl="0"/>
             <a:r>
-              <a:rPr lang="fr-FR" smtClean="0"/>
+              <a:rPr lang="fr-FR"/>
               <a:t>Cliquez pour modifier les styles du texte du masque</a:t>
             </a:r>
           </a:p>
@@ -2346,10 +2330,9 @@
           <a:lstStyle/>
           <a:p>
             <a:r>
-              <a:rPr lang="fr-FR" smtClean="0"/>
+              <a:rPr lang="fr-FR"/>
               <a:t>Cliquez pour modifier le style du titre</a:t>
             </a:r>
-            <a:endParaRPr lang="fr-FR"/>
           </a:p>
         </p:txBody>
       </p:sp>
@@ -2370,38 +2353,37 @@
           <a:p>
             <a:pPr lvl="0"/>
             <a:r>
-              <a:rPr lang="fr-FR" smtClean="0"/>
+              <a:rPr lang="fr-FR"/>
               <a:t>Cliquez pour modifier les styles du texte du masque</a:t>
             </a:r>
           </a:p>
           <a:p>
             <a:pPr lvl="1"/>
             <a:r>
-              <a:rPr lang="fr-FR" smtClean="0"/>
+              <a:rPr lang="fr-FR"/>
               <a:t>Deuxième niveau</a:t>
             </a:r>
           </a:p>
           <a:p>
             <a:pPr lvl="2"/>
             <a:r>
-              <a:rPr lang="fr-FR" smtClean="0"/>
+              <a:rPr lang="fr-FR"/>
               <a:t>Troisième niveau</a:t>
             </a:r>
           </a:p>
           <a:p>
             <a:pPr lvl="3"/>
             <a:r>
-              <a:rPr lang="fr-FR" smtClean="0"/>
+              <a:rPr lang="fr-FR"/>
               <a:t>Quatrième niveau</a:t>
             </a:r>
           </a:p>
           <a:p>
             <a:pPr lvl="4"/>
             <a:r>
-              <a:rPr lang="fr-FR" smtClean="0"/>
+              <a:rPr lang="fr-FR"/>
               <a:t>Cinquième niveau</a:t>
             </a:r>
-            <a:endParaRPr lang="fr-FR"/>
           </a:p>
         </p:txBody>
       </p:sp>
@@ -2582,7 +2564,7 @@
             <a:pPr eaLnBrk="1" hangingPunct="1">
               <a:defRPr/>
             </a:pPr>
-            <a:endParaRPr lang="fr-FR" altLang="fr-FR" smtClean="0"/>
+            <a:endParaRPr lang="fr-FR" altLang="fr-FR"/>
           </a:p>
         </p:txBody>
       </p:sp>
@@ -2736,7 +2718,7 @@
               <a:defRPr/>
             </a:pPr>
             <a:r>
-              <a:rPr lang="fr-FR" sz="1200" dirty="0" smtClean="0"/>
+              <a:rPr lang="fr-FR" sz="1200" dirty="0"/>
               <a:t>Page </a:t>
             </a:r>
             <a:fld id="{E218E9B1-FD08-4C80-902E-210BA2967D0D}" type="slidenum">
@@ -2749,7 +2731,7 @@
               </a:pPr>
               <a:t>‹N°›</a:t>
             </a:fld>
-            <a:endParaRPr lang="fr-FR" dirty="0" smtClean="0">
+            <a:endParaRPr lang="fr-FR" dirty="0">
               <a:latin typeface="Times New Roman" pitchFamily="18" charset="0"/>
             </a:endParaRPr>
           </a:p>
@@ -2905,10 +2887,10 @@
               <a:defRPr/>
             </a:pPr>
             <a:r>
-              <a:rPr lang="fr-FR" sz="1600" dirty="0" smtClean="0"/>
+              <a:rPr lang="fr-FR" sz="1600" dirty="0"/>
               <a:t>Python</a:t>
             </a:r>
-            <a:endParaRPr lang="fr-FR" dirty="0" smtClean="0">
+            <a:endParaRPr lang="fr-FR" dirty="0">
               <a:latin typeface="Times New Roman" pitchFamily="18" charset="0"/>
             </a:endParaRPr>
           </a:p>
@@ -2966,7 +2948,7 @@
           <a:p>
             <a:pPr lvl="0"/>
             <a:r>
-              <a:rPr lang="fr-FR" altLang="fr-FR" smtClean="0"/>
+              <a:rPr lang="fr-FR" altLang="fr-FR"/>
               <a:t>Cliquez pour modifier le style du titre du masque</a:t>
             </a:r>
           </a:p>
@@ -3024,35 +3006,35 @@
           <a:p>
             <a:pPr lvl="0"/>
             <a:r>
-              <a:rPr lang="fr-FR" altLang="fr-FR" smtClean="0"/>
+              <a:rPr lang="fr-FR" altLang="fr-FR"/>
               <a:t>Cliquez pour modifier les styles du texte du masque</a:t>
             </a:r>
           </a:p>
           <a:p>
             <a:pPr lvl="1"/>
             <a:r>
-              <a:rPr lang="fr-FR" altLang="fr-FR" smtClean="0"/>
+              <a:rPr lang="fr-FR" altLang="fr-FR"/>
               <a:t>Deuxième niveau</a:t>
             </a:r>
           </a:p>
           <a:p>
             <a:pPr lvl="2"/>
             <a:r>
-              <a:rPr lang="fr-FR" altLang="fr-FR" smtClean="0"/>
+              <a:rPr lang="fr-FR" altLang="fr-FR"/>
               <a:t>Troisième niveau</a:t>
             </a:r>
           </a:p>
           <a:p>
             <a:pPr lvl="3"/>
             <a:r>
-              <a:rPr lang="fr-FR" altLang="fr-FR" smtClean="0"/>
+              <a:rPr lang="fr-FR" altLang="fr-FR"/>
               <a:t>Quatrième niveau</a:t>
             </a:r>
           </a:p>
           <a:p>
             <a:pPr lvl="4"/>
             <a:r>
-              <a:rPr lang="fr-FR" altLang="fr-FR" smtClean="0"/>
+              <a:rPr lang="fr-FR" altLang="fr-FR"/>
               <a:t>Cinquième niveau</a:t>
             </a:r>
           </a:p>
@@ -3208,10 +3190,10 @@
               <a:defRPr/>
             </a:pPr>
             <a:r>
-              <a:rPr lang="fr-FR" sz="1200" smtClean="0"/>
+              <a:rPr lang="fr-FR" sz="1200"/>
               <a:t>© Cyril Vincent Conseil</a:t>
             </a:r>
-            <a:endParaRPr lang="fr-FR" smtClean="0">
+            <a:endParaRPr lang="fr-FR">
               <a:latin typeface="Times New Roman" pitchFamily="18" charset="0"/>
             </a:endParaRPr>
           </a:p>
@@ -3693,15 +3675,15 @@
           <a:p>
             <a:pPr eaLnBrk="1" hangingPunct="1"/>
             <a:r>
-              <a:rPr lang="fr-FR" altLang="fr-FR" smtClean="0"/>
+              <a:rPr lang="fr-FR" altLang="fr-FR"/>
               <a:t>Chapitre 16</a:t>
             </a:r>
-            <a:endParaRPr lang="fr-FR" altLang="fr-FR" dirty="0" smtClean="0"/>
+            <a:endParaRPr lang="fr-FR" altLang="fr-FR" dirty="0"/>
           </a:p>
           <a:p>
             <a:pPr eaLnBrk="1" hangingPunct="1"/>
             <a:r>
-              <a:rPr lang="fr-FR" altLang="fr-FR" dirty="0" smtClean="0"/>
+              <a:rPr lang="fr-FR" altLang="fr-FR" dirty="0"/>
               <a:t>SVM</a:t>
             </a:r>
           </a:p>
@@ -3754,10 +3736,9 @@
           <a:lstStyle/>
           <a:p>
             <a:r>
-              <a:rPr lang="fr-FR" sz="3600" dirty="0" smtClean="0"/>
+              <a:rPr lang="fr-FR" sz="3600" dirty="0"/>
               <a:t>Data Science</a:t>
             </a:r>
-            <a:endParaRPr lang="fr-FR" sz="3600" dirty="0"/>
           </a:p>
         </p:txBody>
       </p:sp>
@@ -3790,13 +3771,6 @@
   <p:clrMapOvr>
     <a:masterClrMapping/>
   </p:clrMapOvr>
-  <p:timing>
-    <p:tnLst>
-      <p:par>
-        <p:cTn id="1" dur="indefinite" restart="never" nodeType="tmRoot"/>
-      </p:par>
-    </p:tnLst>
-  </p:timing>
 </p:sld>
 </file>
 
@@ -3833,10 +3807,9 @@
           <a:lstStyle/>
           <a:p>
             <a:r>
-              <a:rPr lang="fr-FR" dirty="0" smtClean="0"/>
+              <a:rPr lang="fr-FR" dirty="0"/>
               <a:t>SVM</a:t>
             </a:r>
-            <a:endParaRPr lang="fr-FR" dirty="0"/>
           </a:p>
         </p:txBody>
       </p:sp>
@@ -3857,30 +3830,14 @@
           <a:p>
             <a:r>
               <a:rPr lang="fr-FR" dirty="0"/>
-              <a:t>Les machines à vecteurs de </a:t>
-            </a:r>
-            <a:r>
-              <a:rPr lang="fr-FR" dirty="0" smtClean="0"/>
-              <a:t>support sont </a:t>
-            </a:r>
+              <a:t>Les machines à vecteurs de support sont un ensemble de techniques d'apprentissage supervisé destinées à résoudre des problèmes de discrimination</a:t>
+            </a:r>
+          </a:p>
+          <a:p>
+            <a:pPr lvl="1"/>
             <a:r>
               <a:rPr lang="fr-FR" dirty="0"/>
-              <a:t>un ensemble de techniques d'apprentissage supervisé destinées à résoudre des problèmes de </a:t>
-            </a:r>
-            <a:r>
-              <a:rPr lang="fr-FR" dirty="0" smtClean="0"/>
-              <a:t>discrimination</a:t>
-            </a:r>
-          </a:p>
-          <a:p>
-            <a:pPr lvl="1"/>
-            <a:r>
-              <a:rPr lang="fr-FR" dirty="0" smtClean="0"/>
-              <a:t>Les </a:t>
-            </a:r>
-            <a:r>
-              <a:rPr lang="fr-FR" dirty="0"/>
-              <a:t>SVM sont une généralisation des </a:t>
+              <a:t>Les SVM sont une généralisation des </a:t>
             </a:r>
             <a:r>
               <a:rPr lang="fr-FR" dirty="0" err="1"/>
@@ -3894,12 +3851,8 @@
           <a:p>
             <a:pPr lvl="1"/>
             <a:r>
-              <a:rPr lang="fr-FR" dirty="0" smtClean="0"/>
-              <a:t>Date </a:t>
-            </a:r>
-            <a:r>
               <a:rPr lang="fr-FR" dirty="0"/>
-              <a:t>années 1990 à partir des considérations théoriques de Vladimir </a:t>
+              <a:t>Date années 1990 à partir des considérations théoriques de Vladimir </a:t>
             </a:r>
             <a:r>
               <a:rPr lang="fr-FR" dirty="0" err="1"/>
@@ -3910,7 +3863,7 @@
               <a:t> sur le développement d'une théorie statistique de l'apprentissage : la théorie de </a:t>
             </a:r>
             <a:r>
-              <a:rPr lang="fr-FR" dirty="0" err="1" smtClean="0"/>
+              <a:rPr lang="fr-FR" dirty="0" err="1"/>
               <a:t>Vapnik-Chervonenkis</a:t>
             </a:r>
             <a:endParaRPr lang="fr-FR" dirty="0"/>
@@ -3927,13 +3880,6 @@
   <p:clrMapOvr>
     <a:masterClrMapping/>
   </p:clrMapOvr>
-  <p:timing>
-    <p:tnLst>
-      <p:par>
-        <p:cTn id="1" dur="indefinite" restart="never" nodeType="tmRoot"/>
-      </p:par>
-    </p:tnLst>
-  </p:timing>
 </p:sld>
 </file>
 
@@ -3970,10 +3916,9 @@
           <a:lstStyle/>
           <a:p>
             <a:r>
-              <a:rPr lang="fr-FR" dirty="0" smtClean="0"/>
+              <a:rPr lang="fr-FR" dirty="0"/>
               <a:t>SVM</a:t>
             </a:r>
-            <a:endParaRPr lang="fr-FR" dirty="0"/>
           </a:p>
         </p:txBody>
       </p:sp>
@@ -3993,7 +3938,7 @@
           <a:lstStyle/>
           <a:p>
             <a:r>
-              <a:rPr lang="fr-FR" dirty="0" smtClean="0"/>
+              <a:rPr lang="fr-FR" dirty="0"/>
               <a:t>SVC est une implémentation C de SVM</a:t>
             </a:r>
           </a:p>
@@ -4117,16 +4062,12 @@
             </a:r>
             <a:r>
               <a:rPr lang="fr-FR" dirty="0"/>
-              <a:t>=None</a:t>
-            </a:r>
-            <a:r>
-              <a:rPr lang="fr-FR" dirty="0" smtClean="0"/>
-              <a:t>)</a:t>
-            </a:r>
-          </a:p>
-          <a:p>
-            <a:r>
-              <a:rPr lang="fr-FR" dirty="0" smtClean="0"/>
+              <a:t>=None)</a:t>
+            </a:r>
+          </a:p>
+          <a:p>
+            <a:r>
+              <a:rPr lang="fr-FR" dirty="0"/>
               <a:t>Exemple</a:t>
             </a:r>
           </a:p>
@@ -4177,13 +4118,6 @@
   <p:clrMapOvr>
     <a:masterClrMapping/>
   </p:clrMapOvr>
-  <p:timing>
-    <p:tnLst>
-      <p:par>
-        <p:cTn id="1" dur="indefinite" restart="never" nodeType="tmRoot"/>
-      </p:par>
-    </p:tnLst>
-  </p:timing>
 </p:sld>
 </file>
 
@@ -4220,10 +4154,9 @@
           <a:lstStyle/>
           <a:p>
             <a:r>
-              <a:rPr lang="fr-FR" dirty="0" smtClean="0"/>
+              <a:rPr lang="fr-FR" dirty="0"/>
               <a:t>SVM</a:t>
             </a:r>
-            <a:endParaRPr lang="fr-FR" dirty="0"/>
           </a:p>
         </p:txBody>
       </p:sp>
@@ -4243,36 +4176,36 @@
           <a:lstStyle/>
           <a:p>
             <a:r>
-              <a:rPr lang="fr-FR" dirty="0" smtClean="0"/>
+              <a:rPr lang="fr-FR" dirty="0"/>
               <a:t>Support </a:t>
             </a:r>
             <a:r>
-              <a:rPr lang="fr-FR" dirty="0" err="1" smtClean="0"/>
+              <a:rPr lang="fr-FR" dirty="0" err="1"/>
               <a:t>Vector</a:t>
             </a:r>
             <a:r>
-              <a:rPr lang="fr-FR" dirty="0" smtClean="0"/>
+              <a:rPr lang="fr-FR" dirty="0"/>
               <a:t> Machine est une alternative à k-NN</a:t>
             </a:r>
           </a:p>
           <a:p>
             <a:pPr lvl="1"/>
             <a:r>
-              <a:rPr lang="fr-FR" dirty="0" smtClean="0"/>
+              <a:rPr lang="fr-FR" dirty="0"/>
               <a:t>Très efficace</a:t>
             </a:r>
           </a:p>
           <a:p>
             <a:pPr lvl="1"/>
             <a:r>
-              <a:rPr lang="fr-FR" dirty="0" smtClean="0"/>
+              <a:rPr lang="fr-FR" dirty="0"/>
               <a:t>Ne fournit pas de calcul d’erreur aisément</a:t>
             </a:r>
           </a:p>
           <a:p>
             <a:pPr lvl="1"/>
             <a:r>
-              <a:rPr lang="fr-FR" dirty="0" smtClean="0"/>
+              <a:rPr lang="fr-FR" dirty="0"/>
               <a:t>Les séparations des catégories peuvent être vectorielles</a:t>
             </a:r>
           </a:p>
@@ -4287,34 +4220,29 @@
               <a:t> = </a:t>
             </a:r>
             <a:r>
-              <a:rPr lang="en-US" dirty="0" err="1" smtClean="0"/>
+              <a:rPr lang="en-US" dirty="0" err="1"/>
               <a:t>svm.SVC</a:t>
             </a:r>
             <a:r>
-              <a:rPr lang="en-US" dirty="0" smtClean="0"/>
+              <a:rPr lang="en-US" dirty="0"/>
               <a:t>(kernel=“poly”)</a:t>
             </a:r>
-            <a:endParaRPr lang="en-US" dirty="0"/>
           </a:p>
           <a:p>
             <a:pPr lvl="1"/>
             <a:r>
-              <a:rPr lang="en-US" dirty="0" err="1" smtClean="0"/>
+              <a:rPr lang="en-US" dirty="0" err="1"/>
               <a:t>clf.fit</a:t>
             </a:r>
             <a:r>
-              <a:rPr lang="en-US" dirty="0" smtClean="0"/>
-              <a:t>(X</a:t>
-            </a:r>
-            <a:r>
               <a:rPr lang="en-US" dirty="0"/>
-              <a:t>, Y) </a:t>
-            </a:r>
-            <a:endParaRPr lang="fr-FR" dirty="0" smtClean="0"/>
+              <a:t>(X, Y) </a:t>
+            </a:r>
+            <a:endParaRPr lang="fr-FR" dirty="0"/>
           </a:p>
           <a:p>
             <a:pPr lvl="1"/>
-            <a:endParaRPr lang="fr-FR" dirty="0" smtClean="0"/>
+            <a:endParaRPr lang="fr-FR" dirty="0"/>
           </a:p>
           <a:p>
             <a:pPr lvl="1"/>
@@ -4332,13 +4260,6 @@
   <p:clrMapOvr>
     <a:masterClrMapping/>
   </p:clrMapOvr>
-  <p:timing>
-    <p:tnLst>
-      <p:par>
-        <p:cTn id="1" dur="indefinite" restart="never" nodeType="tmRoot"/>
-      </p:par>
-    </p:tnLst>
-  </p:timing>
 </p:sld>
 </file>
 
@@ -4375,16 +4296,69 @@
           <a:lstStyle/>
           <a:p>
             <a:r>
-              <a:rPr lang="fr-FR" dirty="0" err="1" smtClean="0"/>
+              <a:rPr lang="fr-FR" dirty="0" err="1"/>
               <a:t>Kernel</a:t>
             </a:r>
             <a:endParaRPr lang="fr-FR" dirty="0"/>
           </a:p>
         </p:txBody>
       </p:sp>
+      <p:pic>
+        <p:nvPicPr>
+          <p:cNvPr id="1026" name="Picture 2">
+            <a:extLst>
+              <a:ext uri="{FF2B5EF4-FFF2-40B4-BE49-F238E27FC236}">
+                <a16:creationId xmlns:a16="http://schemas.microsoft.com/office/drawing/2014/main" id="{89D6814B-F322-48D5-8F90-C756EF69D552}"/>
+              </a:ext>
+            </a:extLst>
+          </p:cNvPr>
+          <p:cNvPicPr>
+            <a:picLocks noChangeAspect="1" noChangeArrowheads="1"/>
+          </p:cNvPicPr>
+          <p:nvPr/>
+        </p:nvPicPr>
+        <p:blipFill>
+          <a:blip r:embed="rId2">
+            <a:extLst>
+              <a:ext uri="{28A0092B-C50C-407E-A947-70E740481C1C}">
+                <a14:useLocalDpi xmlns:a14="http://schemas.microsoft.com/office/drawing/2010/main" val="0"/>
+              </a:ext>
+            </a:extLst>
+          </a:blip>
+          <a:srcRect/>
+          <a:stretch>
+            <a:fillRect/>
+          </a:stretch>
+        </p:blipFill>
+        <p:spPr bwMode="auto">
+          <a:xfrm>
+            <a:off x="962137" y="1052736"/>
+            <a:ext cx="7200800" cy="5400600"/>
+          </a:xfrm>
+          <a:prstGeom prst="rect">
+            <a:avLst/>
+          </a:prstGeom>
+          <a:noFill/>
+          <a:extLst>
+            <a:ext uri="{909E8E84-426E-40DD-AFC4-6F175D3DCCD1}">
+              <a14:hiddenFill xmlns:a14="http://schemas.microsoft.com/office/drawing/2010/main">
+                <a:solidFill>
+                  <a:srgbClr val="FFFFFF"/>
+                </a:solidFill>
+              </a14:hiddenFill>
+            </a:ext>
+          </a:extLst>
+        </p:spPr>
+      </p:pic>
       <p:sp>
         <p:nvSpPr>
-          <p:cNvPr id="3" name="Espace réservé du contenu 2"/>
+          <p:cNvPr id="4" name="Espace réservé du contenu 3">
+            <a:extLst>
+              <a:ext uri="{FF2B5EF4-FFF2-40B4-BE49-F238E27FC236}">
+                <a16:creationId xmlns:a16="http://schemas.microsoft.com/office/drawing/2014/main" id="{74C360BA-A065-419E-8020-069C3EB00082}"/>
+              </a:ext>
+            </a:extLst>
+          </p:cNvPr>
           <p:cNvSpPr>
             <a:spLocks noGrp="1"/>
           </p:cNvSpPr>
@@ -4397,24 +4371,7 @@
           <a:bodyPr/>
           <a:lstStyle/>
           <a:p>
-            <a:r>
-              <a:rPr lang="fr-FR" dirty="0" err="1" smtClean="0"/>
-              <a:t>Linear</a:t>
-            </a:r>
-            <a:endParaRPr lang="fr-FR" dirty="0" smtClean="0"/>
-          </a:p>
-          <a:p>
-            <a:r>
-              <a:rPr lang="fr-FR" dirty="0" smtClean="0"/>
-              <a:t>Polynomial</a:t>
-            </a:r>
-          </a:p>
-          <a:p>
-            <a:r>
-              <a:rPr lang="fr-FR" dirty="0" err="1" smtClean="0"/>
-              <a:t>Rbf</a:t>
-            </a:r>
-            <a:endParaRPr lang="fr-FR" dirty="0" smtClean="0"/>
+            <a:endParaRPr lang="fr-FR"/>
           </a:p>
         </p:txBody>
       </p:sp>
@@ -4428,13 +4385,6 @@
   <p:clrMapOvr>
     <a:masterClrMapping/>
   </p:clrMapOvr>
-  <p:timing>
-    <p:tnLst>
-      <p:par>
-        <p:cTn id="1" dur="indefinite" restart="never" nodeType="tmRoot"/>
-      </p:par>
-    </p:tnLst>
-  </p:timing>
 </p:sld>
 </file>
 
@@ -4471,10 +4421,9 @@
           <a:lstStyle/>
           <a:p>
             <a:r>
-              <a:rPr lang="fr-FR" dirty="0" smtClean="0"/>
+              <a:rPr lang="fr-FR" dirty="0"/>
               <a:t>SVM</a:t>
             </a:r>
-            <a:endParaRPr lang="fr-FR" dirty="0"/>
           </a:p>
         </p:txBody>
       </p:sp>
@@ -4512,13 +4461,6 @@
   <p:clrMapOvr>
     <a:masterClrMapping/>
   </p:clrMapOvr>
-  <p:timing>
-    <p:tnLst>
-      <p:par>
-        <p:cTn id="1" dur="indefinite" restart="never" nodeType="tmRoot"/>
-      </p:par>
-    </p:tnLst>
-  </p:timing>
 </p:sld>
 </file>
 

--- a/PPT/MachineLearning16-SVM.pptx
+++ b/PPT/MachineLearning16-SVM.pptx
@@ -5,10 +5,10 @@
     <p:sldMasterId id="2147483653" r:id="rId1"/>
   </p:sldMasterIdLst>
   <p:notesMasterIdLst>
-    <p:notesMasterId r:id="rId8"/>
+    <p:notesMasterId r:id="rId7"/>
   </p:notesMasterIdLst>
   <p:handoutMasterIdLst>
-    <p:handoutMasterId r:id="rId9"/>
+    <p:handoutMasterId r:id="rId8"/>
   </p:handoutMasterIdLst>
   <p:sldIdLst>
     <p:sldId id="264" r:id="rId2"/>
@@ -16,7 +16,6 @@
     <p:sldId id="272" r:id="rId4"/>
     <p:sldId id="273" r:id="rId5"/>
     <p:sldId id="275" r:id="rId6"/>
-    <p:sldId id="274" r:id="rId7"/>
   </p:sldIdLst>
   <p:sldSz cx="9144000" cy="6858000" type="screen4x3"/>
   <p:notesSz cx="6648450" cy="9782175"/>
@@ -3939,8 +3938,13 @@
           <a:p>
             <a:r>
               <a:rPr lang="fr-FR" dirty="0"/>
-              <a:t>SVC est une implémentation C de SVM</a:t>
-            </a:r>
+              <a:t>SVC est </a:t>
+            </a:r>
+            <a:r>
+              <a:rPr lang="fr-FR"/>
+              <a:t>un classifier SVM</a:t>
+            </a:r>
+            <a:endParaRPr lang="fr-FR" dirty="0"/>
           </a:p>
           <a:p>
             <a:pPr lvl="1"/>
@@ -4379,82 +4383,6 @@
     <p:extLst>
       <p:ext uri="{BB962C8B-B14F-4D97-AF65-F5344CB8AC3E}">
         <p14:creationId xmlns:p14="http://schemas.microsoft.com/office/powerpoint/2010/main" val="2518764896"/>
-      </p:ext>
-    </p:extLst>
-  </p:cSld>
-  <p:clrMapOvr>
-    <a:masterClrMapping/>
-  </p:clrMapOvr>
-</p:sld>
-</file>
-
-<file path=ppt/slides/slide6.xml><?xml version="1.0" encoding="utf-8"?>
-<p:sld xmlns:a="http://schemas.openxmlformats.org/drawingml/2006/main" xmlns:r="http://schemas.openxmlformats.org/officeDocument/2006/relationships" xmlns:p="http://schemas.openxmlformats.org/presentationml/2006/main">
-  <p:cSld>
-    <p:spTree>
-      <p:nvGrpSpPr>
-        <p:cNvPr id="1" name=""/>
-        <p:cNvGrpSpPr/>
-        <p:nvPr/>
-      </p:nvGrpSpPr>
-      <p:grpSpPr>
-        <a:xfrm>
-          <a:off x="0" y="0"/>
-          <a:ext cx="0" cy="0"/>
-          <a:chOff x="0" y="0"/>
-          <a:chExt cx="0" cy="0"/>
-        </a:xfrm>
-      </p:grpSpPr>
-      <p:sp>
-        <p:nvSpPr>
-          <p:cNvPr id="2" name="Titre 1"/>
-          <p:cNvSpPr>
-            <a:spLocks noGrp="1"/>
-          </p:cNvSpPr>
-          <p:nvPr>
-            <p:ph type="title"/>
-          </p:nvPr>
-        </p:nvSpPr>
-        <p:spPr/>
-        <p:txBody>
-          <a:bodyPr/>
-          <a:lstStyle/>
-          <a:p>
-            <a:r>
-              <a:rPr lang="fr-FR" dirty="0"/>
-              <a:t>SVM</a:t>
-            </a:r>
-          </a:p>
-        </p:txBody>
-      </p:sp>
-      <p:pic>
-        <p:nvPicPr>
-          <p:cNvPr id="4" name="Image 3"/>
-          <p:cNvPicPr>
-            <a:picLocks noChangeAspect="1"/>
-          </p:cNvPicPr>
-          <p:nvPr/>
-        </p:nvPicPr>
-        <p:blipFill>
-          <a:blip r:embed="rId2"/>
-          <a:stretch>
-            <a:fillRect/>
-          </a:stretch>
-        </p:blipFill>
-        <p:spPr>
-          <a:xfrm>
-            <a:off x="827584" y="908720"/>
-            <a:ext cx="7632848" cy="5543339"/>
-          </a:xfrm>
-          <a:prstGeom prst="rect">
-            <a:avLst/>
-          </a:prstGeom>
-        </p:spPr>
-      </p:pic>
-    </p:spTree>
-    <p:extLst>
-      <p:ext uri="{BB962C8B-B14F-4D97-AF65-F5344CB8AC3E}">
-        <p14:creationId xmlns:p14="http://schemas.microsoft.com/office/powerpoint/2010/main" val="2285562086"/>
       </p:ext>
     </p:extLst>
   </p:cSld>
